--- a/src/lr7/РИЗ-130916у Савельев В.Н. Отчет о выполнении ЛР7.pptx
+++ b/src/lr7/РИЗ-130916у Савельев В.Н. Отчет о выполнении ЛР7.pptx
@@ -292,7 +292,7 @@
           <a:p>
             <a:fld id="{870F65BB-7DDC-4717-AF77-59A3293404C9}" type="datetimeFigureOut">
               <a:rPr lang="ru-RU" smtClean="0"/>
-              <a:t>05.12.2023</a:t>
+              <a:t>08.12.2023</a:t>
             </a:fld>
             <a:endParaRPr lang="ru-RU"/>
           </a:p>
@@ -490,7 +490,7 @@
           <a:p>
             <a:fld id="{870F65BB-7DDC-4717-AF77-59A3293404C9}" type="datetimeFigureOut">
               <a:rPr lang="ru-RU" smtClean="0"/>
-              <a:t>05.12.2023</a:t>
+              <a:t>08.12.2023</a:t>
             </a:fld>
             <a:endParaRPr lang="ru-RU"/>
           </a:p>
@@ -698,7 +698,7 @@
           <a:p>
             <a:fld id="{870F65BB-7DDC-4717-AF77-59A3293404C9}" type="datetimeFigureOut">
               <a:rPr lang="ru-RU" smtClean="0"/>
-              <a:t>05.12.2023</a:t>
+              <a:t>08.12.2023</a:t>
             </a:fld>
             <a:endParaRPr lang="ru-RU"/>
           </a:p>
@@ -896,7 +896,7 @@
           <a:p>
             <a:fld id="{870F65BB-7DDC-4717-AF77-59A3293404C9}" type="datetimeFigureOut">
               <a:rPr lang="ru-RU" smtClean="0"/>
-              <a:t>05.12.2023</a:t>
+              <a:t>08.12.2023</a:t>
             </a:fld>
             <a:endParaRPr lang="ru-RU"/>
           </a:p>
@@ -1171,7 +1171,7 @@
           <a:p>
             <a:fld id="{870F65BB-7DDC-4717-AF77-59A3293404C9}" type="datetimeFigureOut">
               <a:rPr lang="ru-RU" smtClean="0"/>
-              <a:t>05.12.2023</a:t>
+              <a:t>08.12.2023</a:t>
             </a:fld>
             <a:endParaRPr lang="ru-RU"/>
           </a:p>
@@ -1436,7 +1436,7 @@
           <a:p>
             <a:fld id="{870F65BB-7DDC-4717-AF77-59A3293404C9}" type="datetimeFigureOut">
               <a:rPr lang="ru-RU" smtClean="0"/>
-              <a:t>05.12.2023</a:t>
+              <a:t>08.12.2023</a:t>
             </a:fld>
             <a:endParaRPr lang="ru-RU"/>
           </a:p>
@@ -1848,7 +1848,7 @@
           <a:p>
             <a:fld id="{870F65BB-7DDC-4717-AF77-59A3293404C9}" type="datetimeFigureOut">
               <a:rPr lang="ru-RU" smtClean="0"/>
-              <a:t>05.12.2023</a:t>
+              <a:t>08.12.2023</a:t>
             </a:fld>
             <a:endParaRPr lang="ru-RU"/>
           </a:p>
@@ -1989,7 +1989,7 @@
           <a:p>
             <a:fld id="{870F65BB-7DDC-4717-AF77-59A3293404C9}" type="datetimeFigureOut">
               <a:rPr lang="ru-RU" smtClean="0"/>
-              <a:t>05.12.2023</a:t>
+              <a:t>08.12.2023</a:t>
             </a:fld>
             <a:endParaRPr lang="ru-RU"/>
           </a:p>
@@ -2102,7 +2102,7 @@
           <a:p>
             <a:fld id="{870F65BB-7DDC-4717-AF77-59A3293404C9}" type="datetimeFigureOut">
               <a:rPr lang="ru-RU" smtClean="0"/>
-              <a:t>05.12.2023</a:t>
+              <a:t>08.12.2023</a:t>
             </a:fld>
             <a:endParaRPr lang="ru-RU"/>
           </a:p>
@@ -2413,7 +2413,7 @@
           <a:p>
             <a:fld id="{870F65BB-7DDC-4717-AF77-59A3293404C9}" type="datetimeFigureOut">
               <a:rPr lang="ru-RU" smtClean="0"/>
-              <a:t>05.12.2023</a:t>
+              <a:t>08.12.2023</a:t>
             </a:fld>
             <a:endParaRPr lang="ru-RU"/>
           </a:p>
@@ -2701,7 +2701,7 @@
           <a:p>
             <a:fld id="{870F65BB-7DDC-4717-AF77-59A3293404C9}" type="datetimeFigureOut">
               <a:rPr lang="ru-RU" smtClean="0"/>
-              <a:t>05.12.2023</a:t>
+              <a:t>08.12.2023</a:t>
             </a:fld>
             <a:endParaRPr lang="ru-RU"/>
           </a:p>
@@ -2942,7 +2942,7 @@
           <a:p>
             <a:fld id="{870F65BB-7DDC-4717-AF77-59A3293404C9}" type="datetimeFigureOut">
               <a:rPr lang="ru-RU" smtClean="0"/>
-              <a:t>05.12.2023</a:t>
+              <a:t>08.12.2023</a:t>
             </a:fld>
             <a:endParaRPr lang="ru-RU"/>
           </a:p>
@@ -3412,7 +3412,7 @@
                 <a:latin typeface="Times New Roman" panose="02020603050405020304" pitchFamily="18" charset="0"/>
                 <a:cs typeface="Times New Roman" panose="02020603050405020304" pitchFamily="18" charset="0"/>
               </a:rPr>
-              <a:t>3</a:t>
+              <a:t>7</a:t>
             </a:r>
             <a:br>
               <a:rPr lang="en-US" sz="1400" dirty="0">
